--- a/Day15/15-paev-andmetarkus-esitlus.pptx
+++ b/Day15/15-paev-andmetarkus-esitlus.pptx
@@ -159,10 +159,39 @@
 <file path=ppt/revisionInfo.xml><?xml version="1.0" encoding="utf-8"?>
 <p1510:revInfo xmlns:a="http://schemas.openxmlformats.org/drawingml/2006/main" xmlns:r="http://schemas.openxmlformats.org/officeDocument/2006/relationships" xmlns:p1510="http://schemas.microsoft.com/office/powerpoint/2015/10/main">
   <p1510:revLst>
-    <p1510:client id="{075D7FE8-6F58-CB2E-1813-02335F064FDF}" v="673" dt="2025-09-10T17:02:31.509"/>
     <p1510:client id="{C8A7969B-CAB5-8253-6148-7DAEA2F870BA}" v="261" dt="2025-09-12T05:05:39.438"/>
+    <p1510:client id="{CBFC578B-CF35-4A77-AFA6-7E0576340222}" v="57" dt="2025-09-12T07:29:32.001"/>
   </p1510:revLst>
 </p1510:revInfo>
+</file>
+
+<file path=ppt/changesInfos/changesInfo1.xml><?xml version="1.0" encoding="utf-8"?>
+<pc:chgInfo xmlns:a="http://schemas.openxmlformats.org/drawingml/2006/main" xmlns:r="http://schemas.openxmlformats.org/officeDocument/2006/relationships" xmlns:ac="http://schemas.microsoft.com/office/drawing/2013/main/command" xmlns:pc="http://schemas.microsoft.com/office/powerpoint/2013/main/command">
+  <pc:docChgLst>
+    <pc:chgData name="Virve Räni" userId="161a7437-7ef4-49ec-91bf-54882f313dfe" providerId="ADAL" clId="{6D754EED-65AA-4A21-B175-6769012CF487}"/>
+    <pc:docChg chg="modSld">
+      <pc:chgData name="Virve Räni" userId="161a7437-7ef4-49ec-91bf-54882f313dfe" providerId="ADAL" clId="{6D754EED-65AA-4A21-B175-6769012CF487}" dt="2025-09-12T07:29:32.001" v="56" actId="20577"/>
+      <pc:docMkLst>
+        <pc:docMk/>
+      </pc:docMkLst>
+      <pc:sldChg chg="modSp modAnim">
+        <pc:chgData name="Virve Räni" userId="161a7437-7ef4-49ec-91bf-54882f313dfe" providerId="ADAL" clId="{6D754EED-65AA-4A21-B175-6769012CF487}" dt="2025-09-12T07:29:32.001" v="56" actId="20577"/>
+        <pc:sldMkLst>
+          <pc:docMk/>
+          <pc:sldMk cId="2641817430" sldId="514"/>
+        </pc:sldMkLst>
+        <pc:spChg chg="mod">
+          <ac:chgData name="Virve Räni" userId="161a7437-7ef4-49ec-91bf-54882f313dfe" providerId="ADAL" clId="{6D754EED-65AA-4A21-B175-6769012CF487}" dt="2025-09-12T07:29:32.001" v="56" actId="20577"/>
+          <ac:spMkLst>
+            <pc:docMk/>
+            <pc:sldMk cId="2641817430" sldId="514"/>
+            <ac:spMk id="3" creationId="{1F0A66F8-FBDE-40E8-405E-245CA696AFB7}"/>
+          </ac:spMkLst>
+        </pc:spChg>
+      </pc:sldChg>
+    </pc:docChg>
+  </pc:docChgLst>
+</pc:chgInfo>
 </file>
 
 <file path=ppt/handoutMasters/handoutMaster1.xml><?xml version="1.0" encoding="utf-8"?>
@@ -30416,27 +30445,27 @@
               <a:buChar char="•"/>
             </a:pPr>
             <a:r>
-              <a:rPr lang="en-US" sz="2400">
+              <a:rPr lang="en-US" sz="2400" dirty="0">
                 <a:ea typeface="Inter"/>
                 <a:cs typeface="Noto Serif"/>
               </a:rPr>
               <a:t>Ava  </a:t>
             </a:r>
             <a:r>
-              <a:rPr lang="en-US" sz="2400" err="1">
+              <a:rPr lang="en-US" sz="2400" dirty="0" err="1">
                 <a:ea typeface="Inter"/>
                 <a:cs typeface="Noto Serif"/>
               </a:rPr>
               <a:t>Müügiraporti</a:t>
             </a:r>
             <a:r>
-              <a:rPr lang="en-US" sz="2400">
+              <a:rPr lang="en-US" sz="2400" dirty="0">
                 <a:ea typeface="Inter"/>
                 <a:cs typeface="Noto Serif"/>
               </a:rPr>
               <a:t> Power BI </a:t>
             </a:r>
-            <a:endParaRPr lang="en-US" sz="2400">
+            <a:endParaRPr lang="en-US" sz="2400" dirty="0">
               <a:cs typeface="Noto Serif"/>
             </a:endParaRPr>
           </a:p>
@@ -30449,279 +30478,342 @@
               <a:buChar char="o"/>
             </a:pPr>
             <a:r>
-              <a:rPr lang="en-US" sz="2400">
+              <a:rPr lang="en-US" sz="2400" dirty="0">
                 <a:ea typeface="Inter"/>
                 <a:cs typeface="Noto Serif"/>
               </a:rPr>
               <a:t>Palu </a:t>
             </a:r>
             <a:r>
-              <a:rPr lang="en-US" sz="2400" err="1">
+              <a:rPr lang="en-US" sz="2400" dirty="0" err="1">
                 <a:ea typeface="Inter"/>
                 <a:cs typeface="Noto Serif"/>
               </a:rPr>
               <a:t>erinevatel</a:t>
             </a:r>
             <a:r>
-              <a:rPr lang="en-US" sz="2400">
+              <a:rPr lang="en-US" sz="2400" dirty="0">
                 <a:ea typeface="Inter"/>
                 <a:cs typeface="Noto Serif"/>
               </a:rPr>
               <a:t> </a:t>
             </a:r>
             <a:r>
-              <a:rPr lang="en-US" sz="2400" err="1">
+              <a:rPr lang="en-US" sz="2400" dirty="0" err="1">
                 <a:ea typeface="Inter"/>
                 <a:cs typeface="Noto Serif"/>
               </a:rPr>
               <a:t>vestlusrobotitel</a:t>
             </a:r>
             <a:r>
-              <a:rPr lang="en-US" sz="2400">
+              <a:rPr lang="en-US" sz="2400" dirty="0">
                 <a:ea typeface="Inter"/>
                 <a:cs typeface="Noto Serif"/>
               </a:rPr>
               <a:t> </a:t>
             </a:r>
             <a:r>
-              <a:rPr lang="en-US" sz="2400" err="1">
+              <a:rPr lang="en-US" sz="2400" dirty="0" err="1">
                 <a:ea typeface="Inter"/>
                 <a:cs typeface="Noto Serif"/>
               </a:rPr>
               <a:t>luua</a:t>
             </a:r>
             <a:r>
-              <a:rPr lang="en-US" sz="2400">
+              <a:rPr lang="en-US" sz="2400" dirty="0">
                 <a:ea typeface="Inter"/>
                 <a:cs typeface="Noto Serif"/>
               </a:rPr>
               <a:t> </a:t>
             </a:r>
             <a:r>
-              <a:rPr lang="en-US" sz="2400" err="1">
+              <a:rPr lang="en-US" sz="2400" dirty="0" err="1">
                 <a:ea typeface="Inter"/>
                 <a:cs typeface="Noto Serif"/>
               </a:rPr>
               <a:t>samu</a:t>
             </a:r>
             <a:r>
-              <a:rPr lang="en-US" sz="2400">
+              <a:rPr lang="en-US" sz="2400" dirty="0">
                 <a:ea typeface="Inter"/>
                 <a:cs typeface="Noto Serif"/>
               </a:rPr>
               <a:t> </a:t>
             </a:r>
             <a:r>
-              <a:rPr lang="en-US" sz="2400" err="1">
+              <a:rPr lang="en-US" sz="2400" dirty="0" err="1">
                 <a:ea typeface="Inter"/>
                 <a:cs typeface="Noto Serif"/>
               </a:rPr>
               <a:t>arvutatud</a:t>
             </a:r>
             <a:r>
-              <a:rPr lang="en-US" sz="2400">
+              <a:rPr lang="en-US" sz="2400" dirty="0">
                 <a:ea typeface="Inter"/>
                 <a:cs typeface="Noto Serif"/>
               </a:rPr>
               <a:t> </a:t>
             </a:r>
             <a:r>
-              <a:rPr lang="en-US" sz="2400" err="1">
+              <a:rPr lang="en-US" sz="2400" dirty="0" err="1">
                 <a:ea typeface="Inter"/>
                 <a:cs typeface="Noto Serif"/>
               </a:rPr>
               <a:t>tulpasid</a:t>
             </a:r>
             <a:r>
-              <a:rPr lang="en-US" sz="2400">
+              <a:rPr lang="en-US" sz="2400" dirty="0">
                 <a:ea typeface="Inter"/>
                 <a:cs typeface="Noto Serif"/>
               </a:rPr>
               <a:t> ja </a:t>
             </a:r>
             <a:r>
-              <a:rPr lang="en-US" sz="2400" err="1">
+              <a:rPr lang="en-US" sz="2400" dirty="0" err="1">
                 <a:ea typeface="Inter"/>
                 <a:cs typeface="Noto Serif"/>
               </a:rPr>
               <a:t>mõõdikuid</a:t>
             </a:r>
             <a:r>
-              <a:rPr lang="en-US" sz="2400">
+              <a:rPr lang="en-US" sz="2400" dirty="0">
                 <a:ea typeface="Inter"/>
                 <a:cs typeface="Noto Serif"/>
               </a:rPr>
               <a:t>, </a:t>
             </a:r>
             <a:r>
-              <a:rPr lang="en-US" sz="2400" err="1">
+              <a:rPr lang="en-US" sz="2400" dirty="0" err="1">
                 <a:ea typeface="Inter"/>
                 <a:cs typeface="Noto Serif"/>
               </a:rPr>
               <a:t>mida</a:t>
             </a:r>
             <a:r>
-              <a:rPr lang="en-US" sz="2400">
+              <a:rPr lang="en-US" sz="2400" dirty="0">
                 <a:ea typeface="Inter"/>
                 <a:cs typeface="Noto Serif"/>
               </a:rPr>
               <a:t> </a:t>
             </a:r>
             <a:r>
-              <a:rPr lang="en-US" sz="2400" err="1">
+              <a:rPr lang="en-US" sz="2400" dirty="0" err="1">
                 <a:ea typeface="Inter"/>
                 <a:cs typeface="Noto Serif"/>
               </a:rPr>
               <a:t>analüüsis</a:t>
             </a:r>
             <a:r>
-              <a:rPr lang="en-US" sz="2400">
+              <a:rPr lang="en-US" sz="2400" dirty="0">
                 <a:ea typeface="Inter"/>
                 <a:cs typeface="Noto Serif"/>
               </a:rPr>
               <a:t> </a:t>
             </a:r>
             <a:r>
-              <a:rPr lang="en-US" sz="2400" err="1">
+              <a:rPr lang="en-US" sz="2400" dirty="0" err="1">
                 <a:ea typeface="Inter"/>
                 <a:cs typeface="Noto Serif"/>
               </a:rPr>
               <a:t>kasutasime</a:t>
             </a:r>
             <a:r>
-              <a:rPr lang="en-US" sz="2400">
+              <a:rPr lang="en-US" sz="2400" dirty="0">
                 <a:ea typeface="Inter"/>
                 <a:cs typeface="Noto Serif"/>
               </a:rPr>
               <a:t>. </a:t>
             </a:r>
             <a:r>
-              <a:rPr lang="en-US" sz="2400" err="1">
+              <a:rPr lang="en-US" sz="2400" dirty="0" err="1">
                 <a:ea typeface="Inter"/>
                 <a:cs typeface="Noto Serif"/>
               </a:rPr>
               <a:t>Võrdle</a:t>
             </a:r>
             <a:r>
-              <a:rPr lang="en-US" sz="2400">
+              <a:rPr lang="en-US" sz="2400" dirty="0">
                 <a:ea typeface="Inter"/>
                 <a:cs typeface="Noto Serif"/>
               </a:rPr>
               <a:t> </a:t>
             </a:r>
             <a:r>
-              <a:rPr lang="en-US" sz="2400" err="1">
+              <a:rPr lang="en-US" sz="2400" dirty="0" err="1">
                 <a:ea typeface="Inter"/>
                 <a:cs typeface="Noto Serif"/>
               </a:rPr>
               <a:t>vestlusrobotite</a:t>
             </a:r>
             <a:r>
-              <a:rPr lang="en-US" sz="2400">
+              <a:rPr lang="en-US" sz="2400" dirty="0">
                 <a:ea typeface="Inter"/>
                 <a:cs typeface="Noto Serif"/>
               </a:rPr>
               <a:t> </a:t>
             </a:r>
             <a:r>
-              <a:rPr lang="en-US" sz="2400" err="1">
+              <a:rPr lang="en-US" sz="2400" dirty="0" err="1">
                 <a:ea typeface="Inter"/>
                 <a:cs typeface="Noto Serif"/>
               </a:rPr>
               <a:t>vahelisi</a:t>
             </a:r>
             <a:r>
-              <a:rPr lang="en-US" sz="2400">
+              <a:rPr lang="en-US" sz="2400" dirty="0">
                 <a:ea typeface="Inter"/>
                 <a:cs typeface="Noto Serif"/>
               </a:rPr>
               <a:t> </a:t>
             </a:r>
             <a:r>
-              <a:rPr lang="en-US" sz="2400" err="1">
+              <a:rPr lang="en-US" sz="2400" dirty="0" err="1">
                 <a:ea typeface="Inter"/>
                 <a:cs typeface="Noto Serif"/>
               </a:rPr>
               <a:t>tulemusi</a:t>
             </a:r>
             <a:r>
-              <a:rPr lang="en-US" sz="2400">
+              <a:rPr lang="en-US" sz="2400" dirty="0">
                 <a:ea typeface="Inter"/>
                 <a:cs typeface="Noto Serif"/>
               </a:rPr>
               <a:t> </a:t>
             </a:r>
             <a:r>
-              <a:rPr lang="en-US" sz="2400" err="1">
+              <a:rPr lang="en-US" sz="2400" dirty="0" err="1">
                 <a:ea typeface="Inter"/>
                 <a:cs typeface="Noto Serif"/>
               </a:rPr>
               <a:t>ning</a:t>
             </a:r>
             <a:r>
-              <a:rPr lang="en-US" sz="2400">
+              <a:rPr lang="en-US" sz="2400" dirty="0">
                 <a:ea typeface="Inter"/>
                 <a:cs typeface="Noto Serif"/>
               </a:rPr>
               <a:t> </a:t>
             </a:r>
             <a:r>
-              <a:rPr lang="en-US" sz="2400" err="1">
+              <a:rPr lang="en-US" sz="2400" dirty="0" err="1">
                 <a:ea typeface="Inter"/>
                 <a:cs typeface="Noto Serif"/>
               </a:rPr>
               <a:t>meie</a:t>
             </a:r>
             <a:r>
-              <a:rPr lang="en-US" sz="2400">
+              <a:rPr lang="en-US" sz="2400" dirty="0">
                 <a:ea typeface="Inter"/>
                 <a:cs typeface="Noto Serif"/>
               </a:rPr>
               <a:t> </a:t>
             </a:r>
             <a:r>
-              <a:rPr lang="en-US" sz="2400" err="1">
+              <a:rPr lang="en-US" sz="2400" dirty="0" err="1">
                 <a:ea typeface="Inter"/>
                 <a:cs typeface="Noto Serif"/>
               </a:rPr>
               <a:t>poolt</a:t>
             </a:r>
             <a:r>
-              <a:rPr lang="en-US" sz="2400">
+              <a:rPr lang="en-US" sz="2400" dirty="0">
                 <a:ea typeface="Inter"/>
                 <a:cs typeface="Noto Serif"/>
               </a:rPr>
               <a:t> </a:t>
             </a:r>
             <a:r>
-              <a:rPr lang="en-US" sz="2400" err="1">
+              <a:rPr lang="en-US" sz="2400" dirty="0" err="1">
                 <a:ea typeface="Inter"/>
                 <a:cs typeface="Noto Serif"/>
               </a:rPr>
               <a:t>kirjutatud</a:t>
             </a:r>
             <a:r>
-              <a:rPr lang="en-US" sz="2400">
+              <a:rPr lang="en-US" sz="2400" dirty="0">
                 <a:ea typeface="Inter"/>
                 <a:cs typeface="Noto Serif"/>
               </a:rPr>
               <a:t> </a:t>
             </a:r>
             <a:r>
-              <a:rPr lang="en-US" sz="2400" err="1">
+              <a:rPr lang="en-US" sz="2400" dirty="0" err="1">
                 <a:ea typeface="Inter"/>
                 <a:cs typeface="Noto Serif"/>
               </a:rPr>
               <a:t>valemeid</a:t>
             </a:r>
             <a:r>
-              <a:rPr lang="en-US" sz="2400">
+              <a:rPr lang="en-US" sz="2400" dirty="0">
                 <a:ea typeface="Inter"/>
                 <a:cs typeface="Noto Serif"/>
               </a:rPr>
               <a:t>. </a:t>
             </a:r>
-            <a:endParaRPr lang="en-US" sz="2400">
+          </a:p>
+          <a:p>
+            <a:pPr marL="342900" indent="-342900">
+              <a:lnSpc>
+                <a:spcPct val="150000"/>
+              </a:lnSpc>
+              <a:buFont typeface="Arial,Sans-Serif" panose="020B0502030000000004" pitchFamily="34" charset="0"/>
+              <a:buChar char="o"/>
+            </a:pPr>
+            <a:r>
+              <a:rPr lang="en-US" sz="2400" dirty="0" err="1">
+                <a:cs typeface="Noto Serif"/>
+              </a:rPr>
+              <a:t>Uuri</a:t>
+            </a:r>
+            <a:r>
+              <a:rPr lang="en-US" sz="2400" dirty="0">
+                <a:cs typeface="Noto Serif"/>
+              </a:rPr>
+              <a:t> </a:t>
+            </a:r>
+            <a:r>
+              <a:rPr lang="en-US" sz="2400" dirty="0" err="1">
+                <a:cs typeface="Noto Serif"/>
+              </a:rPr>
+              <a:t>sama</a:t>
+            </a:r>
+            <a:r>
+              <a:rPr lang="en-US" sz="2400" dirty="0">
+                <a:cs typeface="Noto Serif"/>
+              </a:rPr>
+              <a:t> Employee Overview </a:t>
+            </a:r>
+            <a:r>
+              <a:rPr lang="en-US" sz="2400" dirty="0" err="1">
+                <a:cs typeface="Noto Serif"/>
+              </a:rPr>
+              <a:t>raporti</a:t>
+            </a:r>
+            <a:r>
+              <a:rPr lang="en-US" sz="2400" dirty="0">
+                <a:cs typeface="Noto Serif"/>
+              </a:rPr>
+              <a:t> </a:t>
+            </a:r>
+            <a:r>
+              <a:rPr lang="en-US" sz="2400" dirty="0" err="1">
+                <a:cs typeface="Noto Serif"/>
+              </a:rPr>
+              <a:t>mõõdikute</a:t>
+            </a:r>
+            <a:r>
+              <a:rPr lang="en-US" sz="2400" dirty="0">
+                <a:cs typeface="Noto Serif"/>
+              </a:rPr>
+              <a:t> </a:t>
+            </a:r>
+            <a:r>
+              <a:rPr lang="en-US" sz="2400" dirty="0" err="1">
+                <a:cs typeface="Noto Serif"/>
+              </a:rPr>
+              <a:t>kohta</a:t>
+            </a:r>
+            <a:endParaRPr lang="en-US" sz="2400" dirty="0">
               <a:cs typeface="Noto Serif"/>
             </a:endParaRPr>
           </a:p>
@@ -30734,7 +30826,7 @@
                 <a:srgbClr val="121212"/>
               </a:buClr>
             </a:pPr>
-            <a:endParaRPr lang="en-US" sz="2400">
+            <a:endParaRPr lang="en-US" sz="2400" dirty="0">
               <a:cs typeface="Noto Serif"/>
             </a:endParaRPr>
           </a:p>
@@ -30749,7 +30841,7 @@
               <a:buFont typeface="Arial,Sans-Serif" panose="020B0502030000000004" pitchFamily="34" charset="0"/>
               <a:buChar char="•"/>
             </a:pPr>
-            <a:endParaRPr lang="en-US" sz="2400">
+            <a:endParaRPr lang="en-US" sz="2400" dirty="0">
               <a:cs typeface="Noto Serif"/>
             </a:endParaRPr>
           </a:p>
@@ -30764,7 +30856,7 @@
               <a:buFont typeface="Arial,Sans-Serif" panose="020B0502030000000004" pitchFamily="34" charset="0"/>
               <a:buChar char="•"/>
             </a:pPr>
-            <a:endParaRPr lang="en-US" sz="2400">
+            <a:endParaRPr lang="en-US" sz="2400" dirty="0">
               <a:cs typeface="Arial"/>
             </a:endParaRPr>
           </a:p>
@@ -30776,7 +30868,7 @@
               <a:buFont typeface="Arial,Sans-Serif" panose="020B0502030000000004" pitchFamily="34" charset="0"/>
               <a:buChar char="o"/>
             </a:pPr>
-            <a:endParaRPr lang="en-US" sz="2400">
+            <a:endParaRPr lang="en-US" sz="2400" dirty="0">
               <a:cs typeface="Arial"/>
             </a:endParaRPr>
           </a:p>
@@ -30788,7 +30880,7 @@
               <a:buFont typeface="Arial,Sans-Serif" panose="020B0502030000000004" pitchFamily="34" charset="0"/>
               <a:buChar char="•"/>
             </a:pPr>
-            <a:endParaRPr lang="en-US" sz="2400">
+            <a:endParaRPr lang="en-US" sz="2400" dirty="0">
               <a:cs typeface="Arial"/>
             </a:endParaRPr>
           </a:p>
@@ -30798,7 +30890,7 @@
                 <a:spcPct val="150000"/>
               </a:lnSpc>
             </a:pPr>
-            <a:endParaRPr lang="en-US" sz="2800">
+            <a:endParaRPr lang="en-US" sz="2800" dirty="0">
               <a:cs typeface="Arial"/>
             </a:endParaRPr>
           </a:p>
@@ -30809,7 +30901,7 @@
               </a:lnSpc>
               <a:buNone/>
             </a:pPr>
-            <a:endParaRPr lang="en-US" sz="2800"/>
+            <a:endParaRPr lang="en-US" sz="2800" dirty="0"/>
           </a:p>
         </p:txBody>
       </p:sp>
@@ -30891,6 +30983,55 @@
                                           <p:spTgt spid="3">
                                             <p:txEl>
                                               <p:pRg st="1" end="1"/>
+                                            </p:txEl>
+                                          </p:spTgt>
+                                        </p:tgtEl>
+                                        <p:attrNameLst>
+                                          <p:attrName>style.visibility</p:attrName>
+                                        </p:attrNameLst>
+                                      </p:cBhvr>
+                                      <p:to>
+                                        <p:strVal val="visible"/>
+                                      </p:to>
+                                    </p:set>
+                                  </p:childTnLst>
+                                </p:cTn>
+                              </p:par>
+                            </p:childTnLst>
+                          </p:cTn>
+                        </p:par>
+                      </p:childTnLst>
+                    </p:cTn>
+                  </p:par>
+                  <p:par>
+                    <p:cTn id="9" fill="hold">
+                      <p:stCondLst>
+                        <p:cond delay="indefinite"/>
+                      </p:stCondLst>
+                      <p:childTnLst>
+                        <p:par>
+                          <p:cTn id="10" fill="hold">
+                            <p:stCondLst>
+                              <p:cond delay="0"/>
+                            </p:stCondLst>
+                            <p:childTnLst>
+                              <p:par>
+                                <p:cTn id="11" presetID="1" presetClass="entr" presetSubtype="0" fill="hold" grpId="0" nodeType="clickEffect">
+                                  <p:stCondLst>
+                                    <p:cond delay="0"/>
+                                  </p:stCondLst>
+                                  <p:childTnLst>
+                                    <p:set>
+                                      <p:cBhvr>
+                                        <p:cTn id="12" dur="1" fill="hold">
+                                          <p:stCondLst>
+                                            <p:cond delay="0"/>
+                                          </p:stCondLst>
+                                        </p:cTn>
+                                        <p:tgtEl>
+                                          <p:spTgt spid="3">
+                                            <p:txEl>
+                                              <p:pRg st="2" end="2"/>
                                             </p:txEl>
                                           </p:spTgt>
                                         </p:tgtEl>
@@ -31731,12 +31872,6 @@
 </file>
 
 <file path=customXml/item1.xml><?xml version="1.0" encoding="utf-8"?>
-<p:properties xmlns:p="http://schemas.microsoft.com/office/2006/metadata/properties" xmlns:xsi="http://www.w3.org/2001/XMLSchema-instance" xmlns:pc="http://schemas.microsoft.com/office/infopath/2007/PartnerControls">
-  <documentManagement/>
-</p:properties>
-</file>
-
-<file path=customXml/item2.xml><?xml version="1.0" encoding="utf-8"?>
 <ct:contentTypeSchema xmlns:ct="http://schemas.microsoft.com/office/2006/metadata/contentType" xmlns:ma="http://schemas.microsoft.com/office/2006/metadata/properties/metaAttributes" ct:_="" ma:_="" ma:contentTypeName="Document" ma:contentTypeID="0x010100C4D27B8FA8976546BCD79313C588588D" ma:contentTypeVersion="8" ma:contentTypeDescription="Create a new document." ma:contentTypeScope="" ma:versionID="a112c56f6fe148a79025c76584832af0">
   <xsd:schema xmlns:xsd="http://www.w3.org/2001/XMLSchema" xmlns:xs="http://www.w3.org/2001/XMLSchema" xmlns:p="http://schemas.microsoft.com/office/2006/metadata/properties" xmlns:ns2="a1a2d923-8fea-42f1-bd41-9cdfff65694e" targetNamespace="http://schemas.microsoft.com/office/2006/metadata/properties" ma:root="true" ma:fieldsID="97c8655d467eaa9470a714421e7268c0" ns2:_="">
     <xsd:import namespace="a1a2d923-8fea-42f1-bd41-9cdfff65694e"/>
@@ -31904,6 +32039,12 @@
 </ct:contentTypeSchema>
 </file>
 
+<file path=customXml/item2.xml><?xml version="1.0" encoding="utf-8"?>
+<p:properties xmlns:p="http://schemas.microsoft.com/office/2006/metadata/properties" xmlns:xsi="http://www.w3.org/2001/XMLSchema-instance" xmlns:pc="http://schemas.microsoft.com/office/infopath/2007/PartnerControls">
+  <documentManagement/>
+</p:properties>
+</file>
+
 <file path=customXml/item3.xml><?xml version="1.0" encoding="utf-8"?>
 <?mso-contentType ?>
 <FormTemplates xmlns="http://schemas.microsoft.com/sharepoint/v3/contenttype/forms">
@@ -31914,15 +32055,6 @@
 </file>
 
 <file path=customXml/itemProps1.xml><?xml version="1.0" encoding="utf-8"?>
-<ds:datastoreItem xmlns:ds="http://schemas.openxmlformats.org/officeDocument/2006/customXml" ds:itemID="{5BDF4908-A52A-47DD-A794-6E02D71942FC}">
-  <ds:schemaRefs>
-    <ds:schemaRef ds:uri="http://schemas.microsoft.com/office/2006/metadata/properties"/>
-    <ds:schemaRef ds:uri="http://schemas.microsoft.com/office/infopath/2007/PartnerControls"/>
-  </ds:schemaRefs>
-</ds:datastoreItem>
-</file>
-
-<file path=customXml/itemProps2.xml><?xml version="1.0" encoding="utf-8"?>
 <ds:datastoreItem xmlns:ds="http://schemas.openxmlformats.org/officeDocument/2006/customXml" ds:itemID="{9CF4F972-2392-44D0-AA45-41AC4FDC4A59}">
   <ds:schemaRefs>
     <ds:schemaRef ds:uri="a1a2d923-8fea-42f1-bd41-9cdfff65694e"/>
@@ -31940,6 +32072,15 @@
 </ds:datastoreItem>
 </file>
 
+<file path=customXml/itemProps2.xml><?xml version="1.0" encoding="utf-8"?>
+<ds:datastoreItem xmlns:ds="http://schemas.openxmlformats.org/officeDocument/2006/customXml" ds:itemID="{5BDF4908-A52A-47DD-A794-6E02D71942FC}">
+  <ds:schemaRefs>
+    <ds:schemaRef ds:uri="http://schemas.microsoft.com/office/2006/metadata/properties"/>
+    <ds:schemaRef ds:uri="http://schemas.microsoft.com/office/infopath/2007/PartnerControls"/>
+  </ds:schemaRefs>
+</ds:datastoreItem>
+</file>
+
 <file path=customXml/itemProps3.xml><?xml version="1.0" encoding="utf-8"?>
 <ds:datastoreItem xmlns:ds="http://schemas.openxmlformats.org/officeDocument/2006/customXml" ds:itemID="{9DC439CA-6F1C-4005-ACA6-A52E04DEE0A7}">
   <ds:schemaRefs>
